--- a/My Image.pptx
+++ b/My Image.pptx
@@ -221,7 +221,7 @@
           <a:p>
             <a:fld id="{E1EA8BF3-28B4-4D29-8143-291BBD75E4ED}" type="datetimeFigureOut">
               <a:rPr lang="vi-VN" smtClean="0"/>
-              <a:t>23/09/2021</a:t>
+              <a:t>27/09/2021</a:t>
             </a:fld>
             <a:endParaRPr lang="vi-VN"/>
           </a:p>
@@ -638,7 +638,7 @@
           <a:p>
             <a:fld id="{44D16140-46A5-4A6B-BC02-FB18F785FD6F}" type="datetimeFigureOut">
               <a:rPr lang="vi-VN" smtClean="0"/>
-              <a:t>23/09/2021</a:t>
+              <a:t>27/09/2021</a:t>
             </a:fld>
             <a:endParaRPr lang="vi-VN"/>
           </a:p>
@@ -838,7 +838,7 @@
           <a:p>
             <a:fld id="{44D16140-46A5-4A6B-BC02-FB18F785FD6F}" type="datetimeFigureOut">
               <a:rPr lang="vi-VN" smtClean="0"/>
-              <a:t>23/09/2021</a:t>
+              <a:t>27/09/2021</a:t>
             </a:fld>
             <a:endParaRPr lang="vi-VN"/>
           </a:p>
@@ -1048,7 +1048,7 @@
           <a:p>
             <a:fld id="{44D16140-46A5-4A6B-BC02-FB18F785FD6F}" type="datetimeFigureOut">
               <a:rPr lang="vi-VN" smtClean="0"/>
-              <a:t>23/09/2021</a:t>
+              <a:t>27/09/2021</a:t>
             </a:fld>
             <a:endParaRPr lang="vi-VN"/>
           </a:p>
@@ -1248,7 +1248,7 @@
           <a:p>
             <a:fld id="{44D16140-46A5-4A6B-BC02-FB18F785FD6F}" type="datetimeFigureOut">
               <a:rPr lang="vi-VN" smtClean="0"/>
-              <a:t>23/09/2021</a:t>
+              <a:t>27/09/2021</a:t>
             </a:fld>
             <a:endParaRPr lang="vi-VN"/>
           </a:p>
@@ -1524,7 +1524,7 @@
           <a:p>
             <a:fld id="{44D16140-46A5-4A6B-BC02-FB18F785FD6F}" type="datetimeFigureOut">
               <a:rPr lang="vi-VN" smtClean="0"/>
-              <a:t>23/09/2021</a:t>
+              <a:t>27/09/2021</a:t>
             </a:fld>
             <a:endParaRPr lang="vi-VN"/>
           </a:p>
@@ -1792,7 +1792,7 @@
           <a:p>
             <a:fld id="{44D16140-46A5-4A6B-BC02-FB18F785FD6F}" type="datetimeFigureOut">
               <a:rPr lang="vi-VN" smtClean="0"/>
-              <a:t>23/09/2021</a:t>
+              <a:t>27/09/2021</a:t>
             </a:fld>
             <a:endParaRPr lang="vi-VN"/>
           </a:p>
@@ -2207,7 +2207,7 @@
           <a:p>
             <a:fld id="{44D16140-46A5-4A6B-BC02-FB18F785FD6F}" type="datetimeFigureOut">
               <a:rPr lang="vi-VN" smtClean="0"/>
-              <a:t>23/09/2021</a:t>
+              <a:t>27/09/2021</a:t>
             </a:fld>
             <a:endParaRPr lang="vi-VN"/>
           </a:p>
@@ -2349,7 +2349,7 @@
           <a:p>
             <a:fld id="{44D16140-46A5-4A6B-BC02-FB18F785FD6F}" type="datetimeFigureOut">
               <a:rPr lang="vi-VN" smtClean="0"/>
-              <a:t>23/09/2021</a:t>
+              <a:t>27/09/2021</a:t>
             </a:fld>
             <a:endParaRPr lang="vi-VN"/>
           </a:p>
@@ -2462,7 +2462,7 @@
           <a:p>
             <a:fld id="{44D16140-46A5-4A6B-BC02-FB18F785FD6F}" type="datetimeFigureOut">
               <a:rPr lang="vi-VN" smtClean="0"/>
-              <a:t>23/09/2021</a:t>
+              <a:t>27/09/2021</a:t>
             </a:fld>
             <a:endParaRPr lang="vi-VN"/>
           </a:p>
@@ -2775,7 +2775,7 @@
           <a:p>
             <a:fld id="{44D16140-46A5-4A6B-BC02-FB18F785FD6F}" type="datetimeFigureOut">
               <a:rPr lang="vi-VN" smtClean="0"/>
-              <a:t>23/09/2021</a:t>
+              <a:t>27/09/2021</a:t>
             </a:fld>
             <a:endParaRPr lang="vi-VN"/>
           </a:p>
@@ -3064,7 +3064,7 @@
           <a:p>
             <a:fld id="{44D16140-46A5-4A6B-BC02-FB18F785FD6F}" type="datetimeFigureOut">
               <a:rPr lang="vi-VN" smtClean="0"/>
-              <a:t>23/09/2021</a:t>
+              <a:t>27/09/2021</a:t>
             </a:fld>
             <a:endParaRPr lang="vi-VN"/>
           </a:p>
@@ -3307,7 +3307,7 @@
           <a:p>
             <a:fld id="{44D16140-46A5-4A6B-BC02-FB18F785FD6F}" type="datetimeFigureOut">
               <a:rPr lang="vi-VN" smtClean="0"/>
-              <a:t>23/09/2021</a:t>
+              <a:t>27/09/2021</a:t>
             </a:fld>
             <a:endParaRPr lang="vi-VN"/>
           </a:p>
@@ -4371,7 +4371,16 @@
                 </a:solidFill>
                 <a:latin typeface="UTM Avo" pitchFamily="18" charset="0"/>
               </a:rPr>
-              <a:t>7. PHÂN CÔNG CÔNG VIỆC TRONG NHÓM </a:t>
+              <a:t>5</a:t>
+            </a:r>
+            <a:r>
+              <a:rPr lang="en-US" sz="3500" b="1">
+                <a:solidFill>
+                  <a:schemeClr val="bg1"/>
+                </a:solidFill>
+                <a:latin typeface="UTM Avo" pitchFamily="18" charset="0"/>
+              </a:rPr>
+              <a:t>. PHÂN CÔNG CÔNG VIỆC TRONG NHÓM </a:t>
             </a:r>
             <a:endParaRPr sz="3500" b="1" dirty="0">
               <a:solidFill>
@@ -4851,7 +4860,16 @@
                 </a:solidFill>
                 <a:latin typeface="UTM Avo" pitchFamily="18" charset="0"/>
               </a:rPr>
-              <a:t>8. GIAO DIỆN CHÍNH</a:t>
+              <a:t>6</a:t>
+            </a:r>
+            <a:r>
+              <a:rPr lang="en-US" sz="3500" b="1">
+                <a:solidFill>
+                  <a:schemeClr val="bg1"/>
+                </a:solidFill>
+                <a:latin typeface="UTM Avo" pitchFamily="18" charset="0"/>
+              </a:rPr>
+              <a:t>. GIAO DIỆN CHÍNH</a:t>
             </a:r>
           </a:p>
           <a:p>
@@ -5253,7 +5271,16 @@
                 </a:solidFill>
                 <a:latin typeface="UTM Avo" pitchFamily="18" charset="0"/>
               </a:rPr>
-              <a:t>8. GIAO DIỆN CHÍNH</a:t>
+              <a:t>6</a:t>
+            </a:r>
+            <a:r>
+              <a:rPr lang="en-US" sz="3500" b="1">
+                <a:solidFill>
+                  <a:schemeClr val="bg1"/>
+                </a:solidFill>
+                <a:latin typeface="UTM Avo" pitchFamily="18" charset="0"/>
+              </a:rPr>
+              <a:t>. GIAO DIỆN CHÍNH</a:t>
             </a:r>
           </a:p>
           <a:p>
@@ -7633,10 +7660,10 @@
           <a:p>
             <a:pPr algn="ctr"/>
             <a:r>
-              <a:rPr lang="vi-VN" sz="3000" b="1">
+              <a:rPr lang="en-US" sz="3000" b="1">
                 <a:latin typeface="UTM Avo" pitchFamily="18" charset="0"/>
               </a:rPr>
-              <a:t>4</a:t>
+              <a:t>3</a:t>
             </a:r>
             <a:endParaRPr lang="vi-VN" sz="3000" b="1" dirty="0"/>
           </a:p>
@@ -7716,8 +7743,8 @@
           <a:p>
             <a:pPr algn="ctr"/>
             <a:r>
-              <a:rPr lang="vi-VN" sz="3000" b="1"/>
-              <a:t>5</a:t>
+              <a:rPr lang="en-US" sz="3000" b="1"/>
+              <a:t>4</a:t>
             </a:r>
             <a:endParaRPr lang="vi-VN" sz="3000" b="1" dirty="0"/>
           </a:p>
@@ -7797,10 +7824,10 @@
           <a:p>
             <a:pPr algn="ctr"/>
             <a:r>
-              <a:rPr lang="vi-VN" sz="3000" b="1">
+              <a:rPr lang="en-US" sz="3000" b="1">
                 <a:latin typeface="UTM Avo" pitchFamily="18" charset="0"/>
               </a:rPr>
-              <a:t>6</a:t>
+              <a:t>5</a:t>
             </a:r>
             <a:endParaRPr lang="vi-VN" sz="3000" b="1" dirty="0"/>
           </a:p>
@@ -10642,7 +10669,16 @@
                 </a:solidFill>
                 <a:latin typeface="UTM Avo" pitchFamily="18" charset="0"/>
               </a:rPr>
-              <a:t>5. SƠ ĐỒ QUAN HỆ THỰC THỂ</a:t>
+              <a:t>3</a:t>
+            </a:r>
+            <a:r>
+              <a:rPr lang="en-US" sz="3500" b="1">
+                <a:solidFill>
+                  <a:schemeClr val="bg1"/>
+                </a:solidFill>
+                <a:latin typeface="UTM Avo" pitchFamily="18" charset="0"/>
+              </a:rPr>
+              <a:t>. SƠ ĐỒ QUAN HỆ THỰC THỂ</a:t>
             </a:r>
           </a:p>
         </p:txBody>
@@ -10820,7 +10856,16 @@
                 </a:solidFill>
                 <a:latin typeface="UTM Avo" pitchFamily="18" charset="0"/>
               </a:rPr>
-              <a:t>6. THIẾT KẾ CƠ SỞ DỮ LIỆU</a:t>
+              <a:t>4</a:t>
+            </a:r>
+            <a:r>
+              <a:rPr lang="en-US" sz="3500" b="1">
+                <a:solidFill>
+                  <a:schemeClr val="bg1"/>
+                </a:solidFill>
+                <a:latin typeface="UTM Avo" pitchFamily="18" charset="0"/>
+              </a:rPr>
+              <a:t>. THIẾT KẾ CƠ SỞ DỮ LIỆU</a:t>
             </a:r>
           </a:p>
         </p:txBody>
